--- a/第4章-矢量数据处理-8课时/第4章-矢量数据处理.pptx
+++ b/第4章-矢量数据处理-8课时/第4章-矢量数据处理.pptx
@@ -7123,7 +7123,7 @@
               </a14:hiddenFill>
             </a:ext>
             <a:ext uri="{FAA26D3D-D897-4be2-8F04-BA451C77F1D7}">
-              <ma14:placeholderFlag xmlns:ma14="http://schemas.microsoft.com/office/mac/drawingml/2011/main" xmlns="" val="1"/>
+              <ma14:placeholderFlag xmlns="" xmlns:ma14="http://schemas.microsoft.com/office/mac/drawingml/2011/main" val="1"/>
             </a:ext>
           </a:extLst>
         </p:spPr>
@@ -7507,7 +7507,7 @@
               </a14:hiddenLine>
             </a:ext>
             <a:ext uri="{FAA26D3D-D897-4be2-8F04-BA451C77F1D7}">
-              <ma14:placeholderFlag xmlns:ma14="http://schemas.microsoft.com/office/mac/drawingml/2011/main" xmlns="" val="1"/>
+              <ma14:placeholderFlag xmlns="" xmlns:ma14="http://schemas.microsoft.com/office/mac/drawingml/2011/main" val="1"/>
             </a:ext>
           </a:extLst>
         </p:spPr>
@@ -10410,7 +10410,7 @@
               </a14:hiddenLine>
             </a:ext>
             <a:ext uri="{FAA26D3D-D897-4be2-8F04-BA451C77F1D7}">
-              <ma14:placeholderFlag xmlns:ma14="http://schemas.microsoft.com/office/mac/drawingml/2011/main" xmlns="" val="1"/>
+              <ma14:placeholderFlag xmlns="" xmlns:ma14="http://schemas.microsoft.com/office/mac/drawingml/2011/main" val="1"/>
             </a:ext>
           </a:extLst>
         </p:spPr>
@@ -14101,7 +14101,7 @@
               </a14:hiddenLine>
             </a:ext>
             <a:ext uri="{FAA26D3D-D897-4be2-8F04-BA451C77F1D7}">
-              <ma14:placeholderFlag xmlns:ma14="http://schemas.microsoft.com/office/mac/drawingml/2011/main" xmlns="" val="1"/>
+              <ma14:placeholderFlag xmlns="" xmlns:ma14="http://schemas.microsoft.com/office/mac/drawingml/2011/main" val="1"/>
             </a:ext>
           </a:extLst>
         </p:spPr>
@@ -21975,7 +21975,7 @@
                   <a:srgbClr val="FF0000"/>
                 </a:solidFill>
               </a:rPr>
-              <a:t>347-339-534</a:t>
+              <a:t>325-231-001</a:t>
             </a:r>
           </a:p>
         </p:txBody>
